--- a/Study Material/Hardware Explanation.pptx
+++ b/Study Material/Hardware Explanation.pptx
@@ -5,15 +5,17 @@
     <p:sldMasterId id="2147483648" r:id="rId1"/>
   </p:sldMasterIdLst>
   <p:notesMasterIdLst>
-    <p:notesMasterId r:id="rId8"/>
+    <p:notesMasterId r:id="rId10"/>
   </p:notesMasterIdLst>
   <p:sldIdLst>
     <p:sldId id="340" r:id="rId2"/>
     <p:sldId id="402" r:id="rId3"/>
-    <p:sldId id="401" r:id="rId4"/>
-    <p:sldId id="403" r:id="rId5"/>
-    <p:sldId id="404" r:id="rId6"/>
-    <p:sldId id="405" r:id="rId7"/>
+    <p:sldId id="493" r:id="rId4"/>
+    <p:sldId id="494" r:id="rId5"/>
+    <p:sldId id="401" r:id="rId6"/>
+    <p:sldId id="403" r:id="rId7"/>
+    <p:sldId id="404" r:id="rId8"/>
+    <p:sldId id="405" r:id="rId9"/>
   </p:sldIdLst>
   <p:sldSz cx="12192000" cy="6858000"/>
   <p:notesSz cx="6858000" cy="9144000"/>
@@ -213,7 +215,7 @@
           <a:p>
             <a:fld id="{32C7AC13-9DD4-4399-8160-642204A02976}" type="datetimeFigureOut">
               <a:rPr lang="ko-KR" altLang="en-US" smtClean="0"/>
-              <a:t>2024-04-02</a:t>
+              <a:t>2024-05-04</a:t>
             </a:fld>
             <a:endParaRPr lang="ko-KR" altLang="en-US"/>
           </a:p>
@@ -480,6 +482,94 @@
 </p:notesMaster>
 </file>
 
+<file path=ppt/notesSlides/notesSlide1.xml><?xml version="1.0" encoding="utf-8"?>
+<p:notes xmlns:a="http://schemas.openxmlformats.org/drawingml/2006/main" xmlns:r="http://schemas.openxmlformats.org/officeDocument/2006/relationships" xmlns:p="http://schemas.openxmlformats.org/presentationml/2006/main">
+  <p:cSld>
+    <p:spTree>
+      <p:nvGrpSpPr>
+        <p:cNvPr id="1" name=""/>
+        <p:cNvGrpSpPr/>
+        <p:nvPr/>
+      </p:nvGrpSpPr>
+      <p:grpSpPr>
+        <a:xfrm>
+          <a:off x="0" y="0"/>
+          <a:ext cx="0" cy="0"/>
+          <a:chOff x="0" y="0"/>
+          <a:chExt cx="0" cy="0"/>
+        </a:xfrm>
+      </p:grpSpPr>
+      <p:sp>
+        <p:nvSpPr>
+          <p:cNvPr id="2" name="슬라이드 이미지 개체 틀 1"/>
+          <p:cNvSpPr>
+            <a:spLocks noGrp="1" noRot="1" noChangeAspect="1"/>
+          </p:cNvSpPr>
+          <p:nvPr>
+            <p:ph type="sldImg"/>
+          </p:nvPr>
+        </p:nvSpPr>
+        <p:spPr/>
+      </p:sp>
+      <p:sp>
+        <p:nvSpPr>
+          <p:cNvPr id="3" name="슬라이드 노트 개체 틀 2"/>
+          <p:cNvSpPr>
+            <a:spLocks noGrp="1"/>
+          </p:cNvSpPr>
+          <p:nvPr>
+            <p:ph type="body" idx="1"/>
+          </p:nvPr>
+        </p:nvSpPr>
+        <p:spPr/>
+        <p:txBody>
+          <a:bodyPr/>
+          <a:lstStyle/>
+          <a:p>
+            <a:r>
+              <a:rPr lang="en-US" altLang="ko-KR" dirty="0"/>
+              <a:t>https://blog.naver.com/PostView.naver?blogId=techref&amp;logNo=222012233866&amp;categoryNo=31&amp;parentCategoryNo=0&amp;viewDate=&amp;currentPage=27&amp;postListTopCurrentPage=1&amp;from=postList</a:t>
+            </a:r>
+            <a:endParaRPr lang="ko-KR" altLang="en-US" dirty="0"/>
+          </a:p>
+        </p:txBody>
+      </p:sp>
+      <p:sp>
+        <p:nvSpPr>
+          <p:cNvPr id="4" name="슬라이드 번호 개체 틀 3"/>
+          <p:cNvSpPr>
+            <a:spLocks noGrp="1"/>
+          </p:cNvSpPr>
+          <p:nvPr>
+            <p:ph type="sldNum" sz="quarter" idx="5"/>
+          </p:nvPr>
+        </p:nvSpPr>
+        <p:spPr/>
+        <p:txBody>
+          <a:bodyPr/>
+          <a:lstStyle/>
+          <a:p>
+            <a:fld id="{B9744C0A-982C-4E8F-9B87-952B32707BE4}" type="slidenum">
+              <a:rPr lang="ko-KR" altLang="en-US" smtClean="0"/>
+              <a:t>4</a:t>
+            </a:fld>
+            <a:endParaRPr lang="ko-KR" altLang="en-US"/>
+          </a:p>
+        </p:txBody>
+      </p:sp>
+    </p:spTree>
+    <p:extLst>
+      <p:ext uri="{BB962C8B-B14F-4D97-AF65-F5344CB8AC3E}">
+        <p14:creationId xmlns:p14="http://schemas.microsoft.com/office/powerpoint/2010/main" val="1131912042"/>
+      </p:ext>
+    </p:extLst>
+  </p:cSld>
+  <p:clrMapOvr>
+    <a:masterClrMapping/>
+  </p:clrMapOvr>
+</p:notes>
+</file>
+
 <file path=ppt/slideLayouts/slideLayout1.xml><?xml version="1.0" encoding="utf-8"?>
 <p:sldLayout xmlns:a="http://schemas.openxmlformats.org/drawingml/2006/main" xmlns:r="http://schemas.openxmlformats.org/officeDocument/2006/relationships" xmlns:p="http://schemas.openxmlformats.org/presentationml/2006/main" preserve="1" userDrawn="1">
   <p:cSld name="제목 슬라이드">
@@ -605,7 +695,7 @@
           <a:p>
             <a:fld id="{DF485348-FF0B-472B-B42C-CD62F26E0287}" type="datetimeFigureOut">
               <a:rPr lang="ko-KR" altLang="en-US" smtClean="0"/>
-              <a:t>2024-04-02</a:t>
+              <a:t>2024-05-04</a:t>
             </a:fld>
             <a:endParaRPr lang="ko-KR" altLang="en-US"/>
           </a:p>
@@ -880,7 +970,7 @@
           <a:p>
             <a:fld id="{A577D4E6-4ACE-46EE-A5F5-E055F57E4E3E}" type="datetimeFigureOut">
               <a:rPr lang="ko-KR" altLang="en-US" smtClean="0"/>
-              <a:t>2024-04-02</a:t>
+              <a:t>2024-05-04</a:t>
             </a:fld>
             <a:endParaRPr lang="ko-KR" altLang="en-US"/>
           </a:p>
@@ -1121,7 +1211,7 @@
           <a:p>
             <a:fld id="{DF485348-FF0B-472B-B42C-CD62F26E0287}" type="datetimeFigureOut">
               <a:rPr lang="ko-KR" altLang="en-US" smtClean="0"/>
-              <a:t>2024-04-02</a:t>
+              <a:t>2024-05-04</a:t>
             </a:fld>
             <a:endParaRPr lang="ko-KR" altLang="en-US"/>
           </a:p>
@@ -2521,6 +2611,69 @@
           </a:p>
         </p:txBody>
       </p:sp>
+      <p:sp>
+        <p:nvSpPr>
+          <p:cNvPr id="3" name="직사각형 2">
+            <a:extLst>
+              <a:ext uri="{FF2B5EF4-FFF2-40B4-BE49-F238E27FC236}">
+                <a16:creationId xmlns:a16="http://schemas.microsoft.com/office/drawing/2014/main" id="{84172EF4-A91F-5C0F-5757-20723A578A92}"/>
+              </a:ext>
+            </a:extLst>
+          </p:cNvPr>
+          <p:cNvSpPr/>
+          <p:nvPr/>
+        </p:nvSpPr>
+        <p:spPr>
+          <a:xfrm rot="2700000">
+            <a:off x="8328467" y="1170671"/>
+            <a:ext cx="4794462" cy="1274112"/>
+          </a:xfrm>
+          <a:prstGeom prst="rect">
+            <a:avLst/>
+          </a:prstGeom>
+          <a:solidFill>
+            <a:srgbClr val="FF0000"/>
+          </a:solidFill>
+          <a:ln>
+            <a:noFill/>
+          </a:ln>
+        </p:spPr>
+        <p:style>
+          <a:lnRef idx="2">
+            <a:schemeClr val="accent1">
+              <a:shade val="15000"/>
+            </a:schemeClr>
+          </a:lnRef>
+          <a:fillRef idx="1">
+            <a:schemeClr val="accent1"/>
+          </a:fillRef>
+          <a:effectRef idx="0">
+            <a:schemeClr val="accent1"/>
+          </a:effectRef>
+          <a:fontRef idx="minor">
+            <a:schemeClr val="lt1"/>
+          </a:fontRef>
+        </p:style>
+        <p:txBody>
+          <a:bodyPr rtlCol="0" anchor="ctr"/>
+          <a:lstStyle/>
+          <a:p>
+            <a:pPr algn="ctr"/>
+            <a:r>
+              <a:rPr lang="ko-KR" altLang="en-US" sz="4400" b="1" dirty="0">
+                <a:effectLst>
+                  <a:outerShdw blurRad="38100" dist="38100" dir="2700000" algn="tl">
+                    <a:srgbClr val="000000">
+                      <a:alpha val="43137"/>
+                    </a:srgbClr>
+                  </a:outerShdw>
+                </a:effectLst>
+              </a:rPr>
+              <a:t>내용 작성 중</a:t>
+            </a:r>
+          </a:p>
+        </p:txBody>
+      </p:sp>
     </p:spTree>
     <p:extLst>
       <p:ext uri="{BB962C8B-B14F-4D97-AF65-F5344CB8AC3E}">
@@ -2535,6 +2688,1303 @@
 </file>
 
 <file path=ppt/slides/slide3.xml><?xml version="1.0" encoding="utf-8"?>
+<p:sld xmlns:a="http://schemas.openxmlformats.org/drawingml/2006/main" xmlns:r="http://schemas.openxmlformats.org/officeDocument/2006/relationships" xmlns:p="http://schemas.openxmlformats.org/presentationml/2006/main">
+  <p:cSld>
+    <p:spTree>
+      <p:nvGrpSpPr>
+        <p:cNvPr id="1" name=""/>
+        <p:cNvGrpSpPr/>
+        <p:nvPr/>
+      </p:nvGrpSpPr>
+      <p:grpSpPr>
+        <a:xfrm>
+          <a:off x="0" y="0"/>
+          <a:ext cx="0" cy="0"/>
+          <a:chOff x="0" y="0"/>
+          <a:chExt cx="0" cy="0"/>
+        </a:xfrm>
+      </p:grpSpPr>
+      <p:grpSp>
+        <p:nvGrpSpPr>
+          <p:cNvPr id="3" name="그룹 2">
+            <a:extLst>
+              <a:ext uri="{FF2B5EF4-FFF2-40B4-BE49-F238E27FC236}">
+                <a16:creationId xmlns:a16="http://schemas.microsoft.com/office/drawing/2014/main" id="{B8C73B1E-48BB-D09E-166C-EB21F4351ECB}"/>
+              </a:ext>
+            </a:extLst>
+          </p:cNvPr>
+          <p:cNvGrpSpPr/>
+          <p:nvPr/>
+        </p:nvGrpSpPr>
+        <p:grpSpPr>
+          <a:xfrm>
+            <a:off x="0" y="2119712"/>
+            <a:ext cx="12192000" cy="2617982"/>
+            <a:chOff x="0" y="2119712"/>
+            <a:chExt cx="12192000" cy="2617982"/>
+          </a:xfrm>
+        </p:grpSpPr>
+        <p:sp>
+          <p:nvSpPr>
+            <p:cNvPr id="4" name="직사각형 3">
+              <a:extLst>
+                <a:ext uri="{FF2B5EF4-FFF2-40B4-BE49-F238E27FC236}">
+                  <a16:creationId xmlns:a16="http://schemas.microsoft.com/office/drawing/2014/main" id="{573A4386-DF80-EB26-04BB-7E0DA020CA2D}"/>
+                </a:ext>
+              </a:extLst>
+            </p:cNvPr>
+            <p:cNvSpPr/>
+            <p:nvPr/>
+          </p:nvSpPr>
+          <p:spPr>
+            <a:xfrm>
+              <a:off x="0" y="2211747"/>
+              <a:ext cx="12192000" cy="2434506"/>
+            </a:xfrm>
+            <a:prstGeom prst="rect">
+              <a:avLst/>
+            </a:prstGeom>
+            <a:solidFill>
+              <a:srgbClr val="2E75B6"/>
+            </a:solidFill>
+            <a:ln>
+              <a:noFill/>
+            </a:ln>
+          </p:spPr>
+          <p:style>
+            <a:lnRef idx="2">
+              <a:schemeClr val="accent1">
+                <a:shade val="15000"/>
+              </a:schemeClr>
+            </a:lnRef>
+            <a:fillRef idx="1">
+              <a:schemeClr val="accent1"/>
+            </a:fillRef>
+            <a:effectRef idx="0">
+              <a:schemeClr val="accent1"/>
+            </a:effectRef>
+            <a:fontRef idx="minor">
+              <a:schemeClr val="lt1"/>
+            </a:fontRef>
+          </p:style>
+          <p:txBody>
+            <a:bodyPr rtlCol="0" anchor="ctr"/>
+            <a:lstStyle/>
+            <a:p>
+              <a:pPr algn="ctr"/>
+              <a:r>
+                <a:rPr lang="en-US" altLang="ko-KR" sz="7200" b="1" dirty="0">
+                  <a:effectLst>
+                    <a:outerShdw blurRad="50800" dist="38100" dir="3300000" algn="tl">
+                      <a:srgbClr val="000000">
+                        <a:alpha val="43137"/>
+                      </a:srgbClr>
+                    </a:outerShdw>
+                  </a:effectLst>
+                </a:rPr>
+                <a:t>Output: Open Collector/Drain, </a:t>
+              </a:r>
+              <a:r>
+                <a:rPr lang="en-US" altLang="ko-KR" sz="7200" b="1" dirty="0" err="1">
+                  <a:effectLst>
+                    <a:outerShdw blurRad="50800" dist="38100" dir="3300000" algn="tl">
+                      <a:srgbClr val="000000">
+                        <a:alpha val="43137"/>
+                      </a:srgbClr>
+                    </a:outerShdw>
+                  </a:effectLst>
+                </a:rPr>
+                <a:t>PushPull</a:t>
+              </a:r>
+              <a:endParaRPr lang="ko-KR" altLang="en-US" sz="7200" b="1" dirty="0">
+                <a:effectLst>
+                  <a:outerShdw blurRad="50800" dist="38100" dir="3300000" algn="tl">
+                    <a:srgbClr val="000000">
+                      <a:alpha val="43137"/>
+                    </a:srgbClr>
+                  </a:outerShdw>
+                </a:effectLst>
+              </a:endParaRPr>
+            </a:p>
+          </p:txBody>
+        </p:sp>
+        <p:sp>
+          <p:nvSpPr>
+            <p:cNvPr id="5" name="직사각형 4">
+              <a:extLst>
+                <a:ext uri="{FF2B5EF4-FFF2-40B4-BE49-F238E27FC236}">
+                  <a16:creationId xmlns:a16="http://schemas.microsoft.com/office/drawing/2014/main" id="{F6F336F4-C28C-07D4-1BEA-8349A7C3D9DD}"/>
+                </a:ext>
+              </a:extLst>
+            </p:cNvPr>
+            <p:cNvSpPr/>
+            <p:nvPr/>
+          </p:nvSpPr>
+          <p:spPr>
+            <a:xfrm>
+              <a:off x="0" y="2119712"/>
+              <a:ext cx="12192000" cy="91441"/>
+            </a:xfrm>
+            <a:prstGeom prst="rect">
+              <a:avLst/>
+            </a:prstGeom>
+            <a:solidFill>
+              <a:schemeClr val="bg2">
+                <a:lumMod val="90000"/>
+              </a:schemeClr>
+            </a:solidFill>
+            <a:ln>
+              <a:noFill/>
+            </a:ln>
+          </p:spPr>
+          <p:style>
+            <a:lnRef idx="2">
+              <a:schemeClr val="accent1">
+                <a:shade val="15000"/>
+              </a:schemeClr>
+            </a:lnRef>
+            <a:fillRef idx="1">
+              <a:schemeClr val="accent1"/>
+            </a:fillRef>
+            <a:effectRef idx="0">
+              <a:schemeClr val="accent1"/>
+            </a:effectRef>
+            <a:fontRef idx="minor">
+              <a:schemeClr val="lt1"/>
+            </a:fontRef>
+          </p:style>
+          <p:txBody>
+            <a:bodyPr rtlCol="0" anchor="ctr"/>
+            <a:lstStyle/>
+            <a:p>
+              <a:pPr algn="ctr"/>
+              <a:endParaRPr lang="ko-KR" altLang="en-US" sz="7200" b="1" dirty="0">
+                <a:effectLst>
+                  <a:outerShdw blurRad="50800" dist="38100" dir="3300000" algn="tl">
+                    <a:srgbClr val="000000">
+                      <a:alpha val="43137"/>
+                    </a:srgbClr>
+                  </a:outerShdw>
+                </a:effectLst>
+              </a:endParaRPr>
+            </a:p>
+          </p:txBody>
+        </p:sp>
+        <p:sp>
+          <p:nvSpPr>
+            <p:cNvPr id="7" name="직사각형 6">
+              <a:extLst>
+                <a:ext uri="{FF2B5EF4-FFF2-40B4-BE49-F238E27FC236}">
+                  <a16:creationId xmlns:a16="http://schemas.microsoft.com/office/drawing/2014/main" id="{01AF9576-5EE5-86EB-EC30-74ADF62B3AEF}"/>
+                </a:ext>
+              </a:extLst>
+            </p:cNvPr>
+            <p:cNvSpPr/>
+            <p:nvPr/>
+          </p:nvSpPr>
+          <p:spPr>
+            <a:xfrm>
+              <a:off x="0" y="4646253"/>
+              <a:ext cx="12192000" cy="91441"/>
+            </a:xfrm>
+            <a:prstGeom prst="rect">
+              <a:avLst/>
+            </a:prstGeom>
+            <a:solidFill>
+              <a:schemeClr val="bg2">
+                <a:lumMod val="90000"/>
+              </a:schemeClr>
+            </a:solidFill>
+            <a:ln>
+              <a:noFill/>
+            </a:ln>
+          </p:spPr>
+          <p:style>
+            <a:lnRef idx="2">
+              <a:schemeClr val="accent1">
+                <a:shade val="15000"/>
+              </a:schemeClr>
+            </a:lnRef>
+            <a:fillRef idx="1">
+              <a:schemeClr val="accent1"/>
+            </a:fillRef>
+            <a:effectRef idx="0">
+              <a:schemeClr val="accent1"/>
+            </a:effectRef>
+            <a:fontRef idx="minor">
+              <a:schemeClr val="lt1"/>
+            </a:fontRef>
+          </p:style>
+          <p:txBody>
+            <a:bodyPr rtlCol="0" anchor="ctr"/>
+            <a:lstStyle/>
+            <a:p>
+              <a:pPr algn="ctr"/>
+              <a:endParaRPr lang="ko-KR" altLang="en-US" sz="7200" b="1" dirty="0">
+                <a:effectLst>
+                  <a:outerShdw blurRad="50800" dist="38100" dir="3300000" algn="tl">
+                    <a:srgbClr val="000000">
+                      <a:alpha val="43137"/>
+                    </a:srgbClr>
+                  </a:outerShdw>
+                </a:effectLst>
+              </a:endParaRPr>
+            </a:p>
+          </p:txBody>
+        </p:sp>
+      </p:grpSp>
+    </p:spTree>
+    <p:extLst>
+      <p:ext uri="{BB962C8B-B14F-4D97-AF65-F5344CB8AC3E}">
+        <p14:creationId xmlns:p14="http://schemas.microsoft.com/office/powerpoint/2010/main" val="3897995493"/>
+      </p:ext>
+    </p:extLst>
+  </p:cSld>
+  <p:clrMapOvr>
+    <a:masterClrMapping/>
+  </p:clrMapOvr>
+</p:sld>
+</file>
+
+<file path=ppt/slides/slide4.xml><?xml version="1.0" encoding="utf-8"?>
+<p:sld xmlns:a="http://schemas.openxmlformats.org/drawingml/2006/main" xmlns:r="http://schemas.openxmlformats.org/officeDocument/2006/relationships" xmlns:p="http://schemas.openxmlformats.org/presentationml/2006/main">
+  <p:cSld>
+    <p:spTree>
+      <p:nvGrpSpPr>
+        <p:cNvPr id="1" name="">
+          <a:extLst>
+            <a:ext uri="{FF2B5EF4-FFF2-40B4-BE49-F238E27FC236}">
+              <a16:creationId xmlns:a16="http://schemas.microsoft.com/office/drawing/2014/main" id="{EF1ED2DB-C232-F480-1C63-A1385E47BF00}"/>
+            </a:ext>
+          </a:extLst>
+        </p:cNvPr>
+        <p:cNvGrpSpPr/>
+        <p:nvPr/>
+      </p:nvGrpSpPr>
+      <p:grpSpPr>
+        <a:xfrm>
+          <a:off x="0" y="0"/>
+          <a:ext cx="0" cy="0"/>
+          <a:chOff x="0" y="0"/>
+          <a:chExt cx="0" cy="0"/>
+        </a:xfrm>
+      </p:grpSpPr>
+      <p:sp>
+        <p:nvSpPr>
+          <p:cNvPr id="4" name="TextBox 3">
+            <a:extLst>
+              <a:ext uri="{FF2B5EF4-FFF2-40B4-BE49-F238E27FC236}">
+                <a16:creationId xmlns:a16="http://schemas.microsoft.com/office/drawing/2014/main" id="{99A206C7-1BFF-F14D-8BC2-AA090422939C}"/>
+              </a:ext>
+            </a:extLst>
+          </p:cNvPr>
+          <p:cNvSpPr txBox="1"/>
+          <p:nvPr/>
+        </p:nvSpPr>
+        <p:spPr>
+          <a:xfrm>
+            <a:off x="0" y="-57750"/>
+            <a:ext cx="12192000" cy="830997"/>
+          </a:xfrm>
+          <a:prstGeom prst="rect">
+            <a:avLst/>
+          </a:prstGeom>
+          <a:solidFill>
+            <a:schemeClr val="accent5">
+              <a:lumMod val="75000"/>
+            </a:schemeClr>
+          </a:solidFill>
+        </p:spPr>
+        <p:txBody>
+          <a:bodyPr wrap="square" rtlCol="0">
+            <a:spAutoFit/>
+          </a:bodyPr>
+          <a:lstStyle>
+            <a:defPPr>
+              <a:defRPr lang="ko-KR"/>
+            </a:defPPr>
+            <a:lvl1pPr>
+              <a:defRPr sz="4800">
+                <a:solidFill>
+                  <a:schemeClr val="bg1"/>
+                </a:solidFill>
+                <a:latin typeface="Times New Roman" panose="02020603050405020304" pitchFamily="18" charset="0"/>
+                <a:cs typeface="Times New Roman" panose="02020603050405020304" pitchFamily="18" charset="0"/>
+              </a:defRPr>
+            </a:lvl1pPr>
+          </a:lstStyle>
+          <a:p>
+            <a:r>
+              <a:rPr lang="en-US" altLang="ko-KR" dirty="0"/>
+              <a:t>. </a:t>
+            </a:r>
+            <a:r>
+              <a:rPr lang="en-US" altLang="ko-KR" dirty="0">
+                <a:solidFill>
+                  <a:schemeClr val="tx1"/>
+                </a:solidFill>
+                <a:effectLst>
+                  <a:glow rad="38100">
+                    <a:schemeClr val="bg1"/>
+                  </a:glow>
+                </a:effectLst>
+              </a:rPr>
+              <a:t>Output: Open Collector/Drain</a:t>
+            </a:r>
+            <a:r>
+              <a:rPr lang="en-US" altLang="ko-KR">
+                <a:solidFill>
+                  <a:schemeClr val="tx1"/>
+                </a:solidFill>
+                <a:effectLst>
+                  <a:glow rad="38100">
+                    <a:schemeClr val="bg1"/>
+                  </a:glow>
+                </a:effectLst>
+              </a:rPr>
+              <a:t>/Push-Pull</a:t>
+            </a:r>
+            <a:r>
+              <a:rPr lang="en-US" altLang="ko-KR"/>
+              <a:t> </a:t>
+            </a:r>
+            <a:endParaRPr lang="en-US" altLang="ko-KR" dirty="0"/>
+          </a:p>
+        </p:txBody>
+      </p:sp>
+      <p:graphicFrame>
+        <p:nvGraphicFramePr>
+          <p:cNvPr id="44" name="표 43">
+            <a:extLst>
+              <a:ext uri="{FF2B5EF4-FFF2-40B4-BE49-F238E27FC236}">
+                <a16:creationId xmlns:a16="http://schemas.microsoft.com/office/drawing/2014/main" id="{577DFA40-9032-77D3-8B24-094140C1640B}"/>
+              </a:ext>
+            </a:extLst>
+          </p:cNvPr>
+          <p:cNvGraphicFramePr>
+            <a:graphicFrameLocks noGrp="1"/>
+          </p:cNvGraphicFramePr>
+          <p:nvPr>
+            <p:extLst>
+              <p:ext uri="{D42A27DB-BD31-4B8C-83A1-F6EECF244321}">
+                <p14:modId xmlns:p14="http://schemas.microsoft.com/office/powerpoint/2010/main" val="1331856346"/>
+              </p:ext>
+            </p:extLst>
+          </p:nvPr>
+        </p:nvGraphicFramePr>
+        <p:xfrm>
+          <a:off x="83626" y="868117"/>
+          <a:ext cx="11974527" cy="5083261"/>
+        </p:xfrm>
+        <a:graphic>
+          <a:graphicData uri="http://schemas.openxmlformats.org/drawingml/2006/table">
+            <a:tbl>
+              <a:tblPr firstRow="1" bandRow="1">
+                <a:tableStyleId>{5C22544A-7EE6-4342-B048-85BDC9FD1C3A}</a:tableStyleId>
+              </a:tblPr>
+              <a:tblGrid>
+                <a:gridCol w="11974527">
+                  <a:extLst>
+                    <a:ext uri="{9D8B030D-6E8A-4147-A177-3AD203B41FA5}">
+                      <a16:colId xmlns:a16="http://schemas.microsoft.com/office/drawing/2014/main" val="1427386122"/>
+                    </a:ext>
+                  </a:extLst>
+                </a:gridCol>
+              </a:tblGrid>
+              <a:tr h="5083261">
+                <a:tc>
+                  <a:txBody>
+                    <a:bodyPr/>
+                    <a:lstStyle/>
+                    <a:p>
+                      <a:pPr marL="0" marR="0" lvl="0" indent="0" algn="l" defTabSz="914400" rtl="0" eaLnBrk="1" fontAlgn="base" latinLnBrk="1" hangingPunct="1">
+                        <a:lnSpc>
+                          <a:spcPct val="100000"/>
+                        </a:lnSpc>
+                        <a:spcBef>
+                          <a:spcPct val="0"/>
+                        </a:spcBef>
+                        <a:spcAft>
+                          <a:spcPct val="0"/>
+                        </a:spcAft>
+                        <a:buClrTx/>
+                        <a:buSzTx/>
+                        <a:buFontTx/>
+                        <a:buNone/>
+                        <a:tabLst/>
+                      </a:pPr>
+                      <a:r>
+                        <a:rPr lang="en-US" altLang="ko-KR" sz="1200" b="1" kern="1200" baseline="0" dirty="0">
+                          <a:solidFill>
+                            <a:schemeClr val="tx1"/>
+                          </a:solidFill>
+                          <a:latin typeface="+mn-lt"/>
+                          <a:ea typeface="+mn-ea"/>
+                          <a:cs typeface="+mn-cs"/>
+                          <a:sym typeface="Wingdings" panose="05000000000000000000" pitchFamily="2" charset="2"/>
+                        </a:rPr>
+                        <a:t>Open Collector/Drain</a:t>
+                      </a:r>
+                    </a:p>
+                    <a:p>
+                      <a:pPr marL="171450" marR="0" lvl="0" indent="-171450" algn="l" defTabSz="914400" rtl="0" eaLnBrk="1" fontAlgn="base" latinLnBrk="1" hangingPunct="1">
+                        <a:lnSpc>
+                          <a:spcPct val="100000"/>
+                        </a:lnSpc>
+                        <a:spcBef>
+                          <a:spcPct val="0"/>
+                        </a:spcBef>
+                        <a:spcAft>
+                          <a:spcPct val="0"/>
+                        </a:spcAft>
+                        <a:buClrTx/>
+                        <a:buSzTx/>
+                        <a:buFontTx/>
+                        <a:buChar char="-"/>
+                        <a:tabLst/>
+                      </a:pPr>
+                      <a:r>
+                        <a:rPr lang="en-US" altLang="ko-KR" sz="1200" b="1" kern="1200" baseline="0" dirty="0">
+                          <a:solidFill>
+                            <a:schemeClr val="tx1"/>
+                          </a:solidFill>
+                          <a:latin typeface="+mn-lt"/>
+                          <a:ea typeface="+mn-ea"/>
+                          <a:cs typeface="+mn-cs"/>
+                          <a:sym typeface="Wingdings" panose="05000000000000000000" pitchFamily="2" charset="2"/>
+                        </a:rPr>
+                        <a:t>Switch</a:t>
+                      </a:r>
+                      <a:r>
+                        <a:rPr lang="ko-KR" altLang="en-US" sz="1200" b="1" kern="1200" baseline="0" dirty="0">
+                          <a:solidFill>
+                            <a:schemeClr val="tx1"/>
+                          </a:solidFill>
+                          <a:latin typeface="+mn-lt"/>
+                          <a:ea typeface="+mn-ea"/>
+                          <a:cs typeface="+mn-cs"/>
+                          <a:sym typeface="Wingdings" panose="05000000000000000000" pitchFamily="2" charset="2"/>
+                        </a:rPr>
+                        <a:t>가 </a:t>
+                      </a:r>
+                      <a:r>
+                        <a:rPr lang="en-US" altLang="ko-KR" sz="1200" b="1" kern="1200" baseline="0" dirty="0">
+                          <a:solidFill>
+                            <a:schemeClr val="tx1"/>
+                          </a:solidFill>
+                          <a:latin typeface="+mn-lt"/>
+                          <a:ea typeface="+mn-ea"/>
+                          <a:cs typeface="+mn-cs"/>
+                          <a:sym typeface="Wingdings" panose="05000000000000000000" pitchFamily="2" charset="2"/>
+                        </a:rPr>
+                        <a:t>open</a:t>
+                      </a:r>
+                      <a:r>
+                        <a:rPr lang="ko-KR" altLang="en-US" sz="1200" b="1" kern="1200" baseline="0" dirty="0">
+                          <a:solidFill>
+                            <a:schemeClr val="tx1"/>
+                          </a:solidFill>
+                          <a:latin typeface="+mn-lt"/>
+                          <a:ea typeface="+mn-ea"/>
+                          <a:cs typeface="+mn-cs"/>
+                          <a:sym typeface="Wingdings" panose="05000000000000000000" pitchFamily="2" charset="2"/>
+                        </a:rPr>
+                        <a:t>인 상태로 </a:t>
+                      </a:r>
+                      <a:r>
+                        <a:rPr lang="en-US" altLang="ko-KR" sz="1200" b="1" kern="1200" baseline="0" dirty="0">
+                          <a:solidFill>
+                            <a:schemeClr val="tx1"/>
+                          </a:solidFill>
+                          <a:latin typeface="+mn-lt"/>
+                          <a:ea typeface="+mn-ea"/>
+                          <a:cs typeface="+mn-cs"/>
+                          <a:sym typeface="Wingdings" panose="05000000000000000000" pitchFamily="2" charset="2"/>
+                        </a:rPr>
+                        <a:t>MCU/IC chip</a:t>
+                      </a:r>
+                      <a:r>
+                        <a:rPr lang="ko-KR" altLang="en-US" sz="1200" b="1" kern="1200" baseline="0" dirty="0">
+                          <a:solidFill>
+                            <a:schemeClr val="tx1"/>
+                          </a:solidFill>
+                          <a:latin typeface="+mn-lt"/>
+                          <a:ea typeface="+mn-ea"/>
+                          <a:cs typeface="+mn-cs"/>
+                          <a:sym typeface="Wingdings" panose="05000000000000000000" pitchFamily="2" charset="2"/>
+                        </a:rPr>
+                        <a:t>의 </a:t>
+                      </a:r>
+                      <a:r>
+                        <a:rPr lang="en-US" altLang="ko-KR" sz="1200" b="1" kern="1200" baseline="0" dirty="0">
+                          <a:solidFill>
+                            <a:schemeClr val="tx1"/>
+                          </a:solidFill>
+                          <a:latin typeface="+mn-lt"/>
+                          <a:ea typeface="+mn-ea"/>
+                          <a:cs typeface="+mn-cs"/>
+                          <a:sym typeface="Wingdings" panose="05000000000000000000" pitchFamily="2" charset="2"/>
+                        </a:rPr>
+                        <a:t>output pin</a:t>
+                      </a:r>
+                      <a:r>
+                        <a:rPr lang="ko-KR" altLang="en-US" sz="1200" b="1" kern="1200" baseline="0" dirty="0">
+                          <a:solidFill>
+                            <a:schemeClr val="tx1"/>
+                          </a:solidFill>
+                          <a:latin typeface="+mn-lt"/>
+                          <a:ea typeface="+mn-ea"/>
+                          <a:cs typeface="+mn-cs"/>
+                          <a:sym typeface="Wingdings" panose="05000000000000000000" pitchFamily="2" charset="2"/>
+                        </a:rPr>
+                        <a:t>과 연결</a:t>
+                      </a:r>
+                      <a:endParaRPr lang="en-US" altLang="ko-KR" sz="1200" b="1" kern="1200" baseline="0" dirty="0">
+                        <a:solidFill>
+                          <a:schemeClr val="tx1"/>
+                        </a:solidFill>
+                        <a:latin typeface="+mn-lt"/>
+                        <a:ea typeface="+mn-ea"/>
+                        <a:cs typeface="+mn-cs"/>
+                        <a:sym typeface="Wingdings" panose="05000000000000000000" pitchFamily="2" charset="2"/>
+                      </a:endParaRPr>
+                    </a:p>
+                    <a:p>
+                      <a:pPr marL="171450" marR="0" lvl="0" indent="-171450" algn="l" defTabSz="914400" rtl="0" eaLnBrk="1" fontAlgn="base" latinLnBrk="1" hangingPunct="1">
+                        <a:lnSpc>
+                          <a:spcPct val="100000"/>
+                        </a:lnSpc>
+                        <a:spcBef>
+                          <a:spcPct val="0"/>
+                        </a:spcBef>
+                        <a:spcAft>
+                          <a:spcPct val="0"/>
+                        </a:spcAft>
+                        <a:buClrTx/>
+                        <a:buSzTx/>
+                        <a:buFontTx/>
+                        <a:buChar char="-"/>
+                        <a:tabLst/>
+                      </a:pPr>
+                      <a:r>
+                        <a:rPr lang="ko-KR" altLang="en-US" sz="1200" b="1" kern="1200" baseline="0" dirty="0">
+                          <a:solidFill>
+                            <a:schemeClr val="tx1"/>
+                          </a:solidFill>
+                          <a:latin typeface="+mn-lt"/>
+                          <a:ea typeface="+mn-ea"/>
+                          <a:cs typeface="+mn-cs"/>
+                          <a:sym typeface="Wingdings" panose="05000000000000000000" pitchFamily="2" charset="2"/>
+                        </a:rPr>
+                        <a:t>출력을 내기 위해 </a:t>
+                      </a:r>
+                      <a:r>
+                        <a:rPr lang="en-US" altLang="ko-KR" sz="1200" b="1" kern="1200" baseline="0" dirty="0">
+                          <a:solidFill>
+                            <a:schemeClr val="tx1"/>
+                          </a:solidFill>
+                          <a:latin typeface="+mn-lt"/>
+                          <a:ea typeface="+mn-ea"/>
+                          <a:cs typeface="+mn-cs"/>
+                          <a:sym typeface="Wingdings" panose="05000000000000000000" pitchFamily="2" charset="2"/>
+                        </a:rPr>
+                        <a:t>collector/drain</a:t>
+                      </a:r>
+                      <a:r>
+                        <a:rPr lang="ko-KR" altLang="en-US" sz="1200" b="1" kern="1200" baseline="0" dirty="0">
+                          <a:solidFill>
+                            <a:schemeClr val="tx1"/>
+                          </a:solidFill>
+                          <a:latin typeface="+mn-lt"/>
+                          <a:ea typeface="+mn-ea"/>
+                          <a:cs typeface="+mn-cs"/>
+                          <a:sym typeface="Wingdings" panose="05000000000000000000" pitchFamily="2" charset="2"/>
+                        </a:rPr>
+                        <a:t>에 </a:t>
+                      </a:r>
+                      <a:r>
+                        <a:rPr lang="en-US" altLang="ko-KR" sz="1200" b="1" kern="1200" baseline="0" dirty="0">
+                          <a:solidFill>
+                            <a:schemeClr val="tx1"/>
+                          </a:solidFill>
+                          <a:latin typeface="+mn-lt"/>
+                          <a:ea typeface="+mn-ea"/>
+                          <a:cs typeface="+mn-cs"/>
+                          <a:sym typeface="Wingdings" panose="05000000000000000000" pitchFamily="2" charset="2"/>
+                        </a:rPr>
+                        <a:t>pull-up resistor</a:t>
+                      </a:r>
+                      <a:r>
+                        <a:rPr lang="ko-KR" altLang="en-US" sz="1200" b="1" kern="1200" baseline="0" dirty="0">
+                          <a:solidFill>
+                            <a:schemeClr val="tx1"/>
+                          </a:solidFill>
+                          <a:latin typeface="+mn-lt"/>
+                          <a:ea typeface="+mn-ea"/>
+                          <a:cs typeface="+mn-cs"/>
+                          <a:sym typeface="Wingdings" panose="05000000000000000000" pitchFamily="2" charset="2"/>
+                        </a:rPr>
+                        <a:t>를 연결해야 함</a:t>
+                      </a:r>
+                      <a:r>
+                        <a:rPr lang="en-US" altLang="ko-KR" sz="1200" b="1" kern="1200" baseline="0" dirty="0">
+                          <a:solidFill>
+                            <a:schemeClr val="tx1"/>
+                          </a:solidFill>
+                          <a:latin typeface="+mn-lt"/>
+                          <a:ea typeface="+mn-ea"/>
+                          <a:cs typeface="+mn-cs"/>
+                          <a:sym typeface="Wingdings" panose="05000000000000000000" pitchFamily="2" charset="2"/>
+                        </a:rPr>
+                        <a:t>(limit</a:t>
+                      </a:r>
+                      <a:r>
+                        <a:rPr lang="ko-KR" altLang="en-US" sz="1200" b="1" kern="1200" baseline="0" dirty="0">
+                          <a:solidFill>
+                            <a:schemeClr val="tx1"/>
+                          </a:solidFill>
+                          <a:latin typeface="+mn-lt"/>
+                          <a:ea typeface="+mn-ea"/>
+                          <a:cs typeface="+mn-cs"/>
+                          <a:sym typeface="Wingdings" panose="05000000000000000000" pitchFamily="2" charset="2"/>
+                        </a:rPr>
+                        <a:t> </a:t>
+                      </a:r>
+                      <a:r>
+                        <a:rPr lang="en-US" altLang="ko-KR" sz="1200" b="1" kern="1200" baseline="0" dirty="0">
+                          <a:solidFill>
+                            <a:schemeClr val="tx1"/>
+                          </a:solidFill>
+                          <a:latin typeface="+mn-lt"/>
+                          <a:ea typeface="+mn-ea"/>
+                          <a:cs typeface="+mn-cs"/>
+                          <a:sym typeface="Wingdings" panose="05000000000000000000" pitchFamily="2" charset="2"/>
+                        </a:rPr>
+                        <a:t>current)</a:t>
+                      </a:r>
+                    </a:p>
+                    <a:p>
+                      <a:pPr marL="171450" marR="0" lvl="0" indent="-171450" algn="l" defTabSz="914400" rtl="0" eaLnBrk="1" fontAlgn="base" latinLnBrk="1" hangingPunct="1">
+                        <a:lnSpc>
+                          <a:spcPct val="100000"/>
+                        </a:lnSpc>
+                        <a:spcBef>
+                          <a:spcPct val="0"/>
+                        </a:spcBef>
+                        <a:spcAft>
+                          <a:spcPct val="0"/>
+                        </a:spcAft>
+                        <a:buClrTx/>
+                        <a:buSzTx/>
+                        <a:buFontTx/>
+                        <a:buChar char="-"/>
+                        <a:tabLst/>
+                      </a:pPr>
+                      <a:r>
+                        <a:rPr lang="ko-KR" altLang="en-US" sz="1200" b="1" kern="1200" baseline="0" dirty="0">
+                          <a:solidFill>
+                            <a:schemeClr val="tx1"/>
+                          </a:solidFill>
+                          <a:latin typeface="+mn-lt"/>
+                          <a:ea typeface="+mn-ea"/>
+                          <a:cs typeface="+mn-cs"/>
+                          <a:sym typeface="Wingdings" panose="05000000000000000000" pitchFamily="2" charset="2"/>
+                        </a:rPr>
+                        <a:t>외부 전원 사용</a:t>
+                      </a:r>
+                      <a:endParaRPr lang="en-US" altLang="ko-KR" sz="1200" b="1" kern="1200" baseline="0" dirty="0">
+                        <a:solidFill>
+                          <a:schemeClr val="tx1"/>
+                        </a:solidFill>
+                        <a:latin typeface="+mn-lt"/>
+                        <a:ea typeface="+mn-ea"/>
+                        <a:cs typeface="+mn-cs"/>
+                        <a:sym typeface="Wingdings" panose="05000000000000000000" pitchFamily="2" charset="2"/>
+                      </a:endParaRPr>
+                    </a:p>
+                    <a:p>
+                      <a:pPr marL="171450" marR="0" lvl="0" indent="-171450" algn="l" defTabSz="914400" rtl="0" eaLnBrk="1" fontAlgn="base" latinLnBrk="1" hangingPunct="1">
+                        <a:lnSpc>
+                          <a:spcPct val="100000"/>
+                        </a:lnSpc>
+                        <a:spcBef>
+                          <a:spcPct val="0"/>
+                        </a:spcBef>
+                        <a:spcAft>
+                          <a:spcPct val="0"/>
+                        </a:spcAft>
+                        <a:buClrTx/>
+                        <a:buSzTx/>
+                        <a:buFontTx/>
+                        <a:buChar char="-"/>
+                        <a:tabLst/>
+                      </a:pPr>
+                      <a:r>
+                        <a:rPr lang="en-US" altLang="ko-KR" sz="1200" b="1" kern="1200" baseline="0" dirty="0">
+                          <a:solidFill>
+                            <a:schemeClr val="tx1"/>
+                          </a:solidFill>
+                          <a:latin typeface="+mn-lt"/>
+                          <a:ea typeface="+mn-ea"/>
+                          <a:cs typeface="+mn-cs"/>
+                          <a:sym typeface="Wingdings" panose="05000000000000000000" pitchFamily="2" charset="2"/>
+                        </a:rPr>
+                        <a:t>master-slave </a:t>
+                      </a:r>
+                      <a:r>
+                        <a:rPr lang="ko-KR" altLang="en-US" sz="1200" b="1" kern="1200" baseline="0" dirty="0">
+                          <a:solidFill>
+                            <a:schemeClr val="tx1"/>
+                          </a:solidFill>
+                          <a:latin typeface="+mn-lt"/>
+                          <a:ea typeface="+mn-ea"/>
+                          <a:cs typeface="+mn-cs"/>
+                          <a:sym typeface="Wingdings" panose="05000000000000000000" pitchFamily="2" charset="2"/>
+                        </a:rPr>
+                        <a:t>제어에서 가장 효율적 구조</a:t>
+                      </a:r>
+                      <a:endParaRPr lang="en-US" altLang="ko-KR" sz="1200" b="1" kern="1200" baseline="0" dirty="0">
+                        <a:solidFill>
+                          <a:schemeClr val="tx1"/>
+                        </a:solidFill>
+                        <a:latin typeface="+mn-lt"/>
+                        <a:ea typeface="+mn-ea"/>
+                        <a:cs typeface="+mn-cs"/>
+                        <a:sym typeface="Wingdings" panose="05000000000000000000" pitchFamily="2" charset="2"/>
+                      </a:endParaRPr>
+                    </a:p>
+                    <a:p>
+                      <a:pPr marL="171450" marR="0" lvl="0" indent="-171450" algn="l" defTabSz="914400" rtl="0" eaLnBrk="1" fontAlgn="base" latinLnBrk="1" hangingPunct="1">
+                        <a:lnSpc>
+                          <a:spcPct val="100000"/>
+                        </a:lnSpc>
+                        <a:spcBef>
+                          <a:spcPct val="0"/>
+                        </a:spcBef>
+                        <a:spcAft>
+                          <a:spcPct val="0"/>
+                        </a:spcAft>
+                        <a:buClrTx/>
+                        <a:buSzTx/>
+                        <a:buFontTx/>
+                        <a:buChar char="-"/>
+                        <a:tabLst/>
+                      </a:pPr>
+                      <a:endParaRPr lang="en-US" altLang="ko-KR" sz="1200" b="1" kern="1200" baseline="0" dirty="0">
+                        <a:solidFill>
+                          <a:schemeClr val="tx1"/>
+                        </a:solidFill>
+                        <a:latin typeface="+mn-lt"/>
+                        <a:ea typeface="+mn-ea"/>
+                        <a:cs typeface="+mn-cs"/>
+                        <a:sym typeface="Wingdings" panose="05000000000000000000" pitchFamily="2" charset="2"/>
+                      </a:endParaRPr>
+                    </a:p>
+                    <a:p>
+                      <a:pPr marL="0" marR="0" lvl="0" indent="0" algn="l" defTabSz="914400" rtl="0" eaLnBrk="1" fontAlgn="base" latinLnBrk="1" hangingPunct="1">
+                        <a:lnSpc>
+                          <a:spcPct val="100000"/>
+                        </a:lnSpc>
+                        <a:spcBef>
+                          <a:spcPct val="0"/>
+                        </a:spcBef>
+                        <a:spcAft>
+                          <a:spcPct val="0"/>
+                        </a:spcAft>
+                        <a:buClrTx/>
+                        <a:buSzTx/>
+                        <a:buFontTx/>
+                        <a:buNone/>
+                        <a:tabLst/>
+                      </a:pPr>
+                      <a:r>
+                        <a:rPr lang="en-US" altLang="ko-KR" sz="1200" b="1" kern="1200" baseline="0" dirty="0">
+                          <a:solidFill>
+                            <a:schemeClr val="tx1"/>
+                          </a:solidFill>
+                          <a:latin typeface="+mn-lt"/>
+                          <a:ea typeface="+mn-ea"/>
+                          <a:cs typeface="+mn-cs"/>
+                          <a:sym typeface="Wingdings" panose="05000000000000000000" pitchFamily="2" charset="2"/>
+                        </a:rPr>
+                        <a:t>Push-Pull</a:t>
+                      </a:r>
+                    </a:p>
+                    <a:p>
+                      <a:pPr marL="171450" marR="0" lvl="0" indent="-171450" algn="l" defTabSz="914400" rtl="0" eaLnBrk="1" fontAlgn="base" latinLnBrk="1" hangingPunct="1">
+                        <a:lnSpc>
+                          <a:spcPct val="100000"/>
+                        </a:lnSpc>
+                        <a:spcBef>
+                          <a:spcPct val="0"/>
+                        </a:spcBef>
+                        <a:spcAft>
+                          <a:spcPct val="0"/>
+                        </a:spcAft>
+                        <a:buClrTx/>
+                        <a:buSzTx/>
+                        <a:buFontTx/>
+                        <a:buChar char="-"/>
+                        <a:tabLst/>
+                      </a:pPr>
+                      <a:r>
+                        <a:rPr lang="en-US" altLang="ko-KR" sz="1200" b="1" kern="1200" baseline="0" dirty="0">
+                          <a:solidFill>
+                            <a:schemeClr val="tx1"/>
+                          </a:solidFill>
+                          <a:latin typeface="+mn-lt"/>
+                          <a:ea typeface="+mn-ea"/>
+                          <a:cs typeface="+mn-cs"/>
+                          <a:sym typeface="Wingdings" panose="05000000000000000000" pitchFamily="2" charset="2"/>
+                        </a:rPr>
+                        <a:t>Chip </a:t>
+                      </a:r>
+                      <a:r>
+                        <a:rPr lang="ko-KR" altLang="en-US" sz="1200" b="1" kern="1200" baseline="0" dirty="0">
+                          <a:solidFill>
+                            <a:schemeClr val="tx1"/>
+                          </a:solidFill>
+                          <a:latin typeface="+mn-lt"/>
+                          <a:ea typeface="+mn-ea"/>
+                          <a:cs typeface="+mn-cs"/>
+                          <a:sym typeface="Wingdings" panose="05000000000000000000" pitchFamily="2" charset="2"/>
+                        </a:rPr>
+                        <a:t>내부에 </a:t>
+                      </a:r>
+                      <a:r>
+                        <a:rPr lang="en-US" altLang="ko-KR" sz="1200" b="1" kern="1200" baseline="0" dirty="0">
+                          <a:solidFill>
+                            <a:schemeClr val="tx1"/>
+                          </a:solidFill>
+                          <a:latin typeface="+mn-lt"/>
+                          <a:ea typeface="+mn-ea"/>
+                          <a:cs typeface="+mn-cs"/>
+                          <a:sym typeface="Wingdings" panose="05000000000000000000" pitchFamily="2" charset="2"/>
+                        </a:rPr>
+                        <a:t>2</a:t>
+                      </a:r>
+                      <a:r>
+                        <a:rPr lang="ko-KR" altLang="en-US" sz="1200" b="1" kern="1200" baseline="0" dirty="0">
+                          <a:solidFill>
+                            <a:schemeClr val="tx1"/>
+                          </a:solidFill>
+                          <a:latin typeface="+mn-lt"/>
+                          <a:ea typeface="+mn-ea"/>
+                          <a:cs typeface="+mn-cs"/>
+                          <a:sym typeface="Wingdings" panose="05000000000000000000" pitchFamily="2" charset="2"/>
+                        </a:rPr>
+                        <a:t>개의 </a:t>
+                      </a:r>
+                      <a:r>
+                        <a:rPr lang="en-US" altLang="ko-KR" sz="1200" b="1" kern="1200" baseline="0" dirty="0">
+                          <a:solidFill>
+                            <a:schemeClr val="tx1"/>
+                          </a:solidFill>
+                          <a:latin typeface="+mn-lt"/>
+                          <a:ea typeface="+mn-ea"/>
+                          <a:cs typeface="+mn-cs"/>
+                          <a:sym typeface="Wingdings" panose="05000000000000000000" pitchFamily="2" charset="2"/>
+                        </a:rPr>
+                        <a:t>switch</a:t>
+                      </a:r>
+                      <a:r>
+                        <a:rPr lang="ko-KR" altLang="en-US" sz="1200" b="1" kern="1200" baseline="0" dirty="0">
+                          <a:solidFill>
+                            <a:schemeClr val="tx1"/>
+                          </a:solidFill>
+                          <a:latin typeface="+mn-lt"/>
+                          <a:ea typeface="+mn-ea"/>
+                          <a:cs typeface="+mn-cs"/>
+                          <a:sym typeface="Wingdings" panose="05000000000000000000" pitchFamily="2" charset="2"/>
+                        </a:rPr>
+                        <a:t>가 있어 저항없이 </a:t>
+                      </a:r>
+                      <a:r>
+                        <a:rPr lang="en-US" altLang="ko-KR" sz="1200" b="1" kern="1200" baseline="0" dirty="0">
+                          <a:solidFill>
+                            <a:schemeClr val="tx1"/>
+                          </a:solidFill>
+                          <a:latin typeface="+mn-lt"/>
+                          <a:ea typeface="+mn-ea"/>
+                          <a:cs typeface="+mn-cs"/>
+                          <a:sym typeface="Wingdings" panose="05000000000000000000" pitchFamily="2" charset="2"/>
+                        </a:rPr>
+                        <a:t>2</a:t>
+                      </a:r>
+                      <a:r>
+                        <a:rPr lang="ko-KR" altLang="en-US" sz="1200" b="1" kern="1200" baseline="0" dirty="0">
+                          <a:solidFill>
+                            <a:schemeClr val="tx1"/>
+                          </a:solidFill>
+                          <a:latin typeface="+mn-lt"/>
+                          <a:ea typeface="+mn-ea"/>
+                          <a:cs typeface="+mn-cs"/>
+                          <a:sym typeface="Wingdings" panose="05000000000000000000" pitchFamily="2" charset="2"/>
+                        </a:rPr>
+                        <a:t>가지 </a:t>
+                      </a:r>
+                      <a:r>
+                        <a:rPr lang="en-US" altLang="ko-KR" sz="1200" b="1" kern="1200" baseline="0" dirty="0">
+                          <a:solidFill>
+                            <a:schemeClr val="tx1"/>
+                          </a:solidFill>
+                          <a:latin typeface="+mn-lt"/>
+                          <a:ea typeface="+mn-ea"/>
+                          <a:cs typeface="+mn-cs"/>
+                          <a:sym typeface="Wingdings" panose="05000000000000000000" pitchFamily="2" charset="2"/>
+                        </a:rPr>
+                        <a:t>output level</a:t>
+                      </a:r>
+                      <a:r>
+                        <a:rPr lang="ko-KR" altLang="en-US" sz="1200" b="1" kern="1200" baseline="0" dirty="0">
+                          <a:solidFill>
+                            <a:schemeClr val="tx1"/>
+                          </a:solidFill>
+                          <a:latin typeface="+mn-lt"/>
+                          <a:ea typeface="+mn-ea"/>
+                          <a:cs typeface="+mn-cs"/>
+                          <a:sym typeface="Wingdings" panose="05000000000000000000" pitchFamily="2" charset="2"/>
+                        </a:rPr>
+                        <a:t>을 가짐</a:t>
+                      </a:r>
+                      <a:endParaRPr lang="en-US" altLang="ko-KR" sz="1200" b="1" kern="1200" baseline="0" dirty="0">
+                        <a:solidFill>
+                          <a:schemeClr val="tx1"/>
+                        </a:solidFill>
+                        <a:latin typeface="+mn-lt"/>
+                        <a:ea typeface="+mn-ea"/>
+                        <a:cs typeface="+mn-cs"/>
+                        <a:sym typeface="Wingdings" panose="05000000000000000000" pitchFamily="2" charset="2"/>
+                      </a:endParaRPr>
+                    </a:p>
+                    <a:p>
+                      <a:pPr marL="171450" marR="0" lvl="0" indent="-171450" algn="l" defTabSz="914400" rtl="0" eaLnBrk="1" fontAlgn="base" latinLnBrk="1" hangingPunct="1">
+                        <a:lnSpc>
+                          <a:spcPct val="100000"/>
+                        </a:lnSpc>
+                        <a:spcBef>
+                          <a:spcPct val="0"/>
+                        </a:spcBef>
+                        <a:spcAft>
+                          <a:spcPct val="0"/>
+                        </a:spcAft>
+                        <a:buClrTx/>
+                        <a:buSzTx/>
+                        <a:buFontTx/>
+                        <a:buChar char="-"/>
+                        <a:tabLst/>
+                      </a:pPr>
+                      <a:r>
+                        <a:rPr lang="ko-KR" altLang="en-US" sz="1200" b="1" kern="1200" baseline="0" dirty="0">
+                          <a:solidFill>
+                            <a:schemeClr val="tx1"/>
+                          </a:solidFill>
+                          <a:latin typeface="+mn-lt"/>
+                          <a:ea typeface="+mn-ea"/>
+                          <a:cs typeface="+mn-cs"/>
+                          <a:sym typeface="Wingdings" panose="05000000000000000000" pitchFamily="2" charset="2"/>
+                        </a:rPr>
+                        <a:t>다른 </a:t>
+                      </a:r>
+                      <a:r>
+                        <a:rPr lang="en-US" altLang="ko-KR" sz="1200" b="1" kern="1200" baseline="0" dirty="0">
+                          <a:solidFill>
+                            <a:schemeClr val="tx1"/>
+                          </a:solidFill>
+                          <a:latin typeface="+mn-lt"/>
+                          <a:ea typeface="+mn-ea"/>
+                          <a:cs typeface="+mn-cs"/>
+                          <a:sym typeface="Wingdings" panose="05000000000000000000" pitchFamily="2" charset="2"/>
+                        </a:rPr>
+                        <a:t>push-pull</a:t>
+                      </a:r>
+                      <a:r>
+                        <a:rPr lang="ko-KR" altLang="en-US" sz="1200" b="1" kern="1200" baseline="0" dirty="0">
+                          <a:solidFill>
+                            <a:schemeClr val="tx1"/>
+                          </a:solidFill>
+                          <a:latin typeface="+mn-lt"/>
+                          <a:ea typeface="+mn-ea"/>
+                          <a:cs typeface="+mn-cs"/>
+                          <a:sym typeface="Wingdings" panose="05000000000000000000" pitchFamily="2" charset="2"/>
+                        </a:rPr>
+                        <a:t>과 </a:t>
+                      </a:r>
+                      <a:r>
+                        <a:rPr lang="en-US" altLang="ko-KR" sz="1200" b="1" kern="1200" baseline="0" dirty="0">
+                          <a:solidFill>
+                            <a:schemeClr val="tx1"/>
+                          </a:solidFill>
+                          <a:latin typeface="+mn-lt"/>
+                          <a:ea typeface="+mn-ea"/>
+                          <a:cs typeface="+mn-cs"/>
+                          <a:sym typeface="Wingdings" panose="05000000000000000000" pitchFamily="2" charset="2"/>
+                        </a:rPr>
+                        <a:t>output</a:t>
+                      </a:r>
+                      <a:r>
+                        <a:rPr lang="ko-KR" altLang="en-US" sz="1200" b="1" kern="1200" baseline="0" dirty="0">
+                          <a:solidFill>
+                            <a:schemeClr val="tx1"/>
+                          </a:solidFill>
+                          <a:latin typeface="+mn-lt"/>
+                          <a:ea typeface="+mn-ea"/>
+                          <a:cs typeface="+mn-cs"/>
+                          <a:sym typeface="Wingdings" panose="05000000000000000000" pitchFamily="2" charset="2"/>
+                        </a:rPr>
+                        <a:t>을 묶어 사용 </a:t>
+                      </a:r>
+                      <a:r>
+                        <a:rPr lang="en-US" altLang="ko-KR" sz="1200" b="1" kern="1200" baseline="0" dirty="0">
+                          <a:solidFill>
+                            <a:schemeClr val="tx1"/>
+                          </a:solidFill>
+                          <a:latin typeface="+mn-lt"/>
+                          <a:ea typeface="+mn-ea"/>
+                          <a:cs typeface="+mn-cs"/>
+                          <a:sym typeface="Wingdings" panose="05000000000000000000" pitchFamily="2" charset="2"/>
+                        </a:rPr>
+                        <a:t>X</a:t>
+                      </a:r>
+                    </a:p>
+                    <a:p>
+                      <a:pPr marL="171450" marR="0" lvl="0" indent="-171450" algn="l" defTabSz="914400" rtl="0" eaLnBrk="1" fontAlgn="base" latinLnBrk="1" hangingPunct="1">
+                        <a:lnSpc>
+                          <a:spcPct val="100000"/>
+                        </a:lnSpc>
+                        <a:spcBef>
+                          <a:spcPct val="0"/>
+                        </a:spcBef>
+                        <a:spcAft>
+                          <a:spcPct val="0"/>
+                        </a:spcAft>
+                        <a:buClrTx/>
+                        <a:buSzTx/>
+                        <a:buFontTx/>
+                        <a:buChar char="-"/>
+                        <a:tabLst/>
+                      </a:pPr>
+                      <a:r>
+                        <a:rPr lang="ko-KR" altLang="en-US" sz="1200" b="1" kern="1200" baseline="0" dirty="0">
+                          <a:solidFill>
+                            <a:schemeClr val="tx1"/>
+                          </a:solidFill>
+                          <a:latin typeface="+mn-lt"/>
+                          <a:ea typeface="+mn-ea"/>
+                          <a:cs typeface="+mn-cs"/>
+                          <a:sym typeface="Wingdings" panose="05000000000000000000" pitchFamily="2" charset="2"/>
+                        </a:rPr>
+                        <a:t>내부 전원 사용</a:t>
+                      </a:r>
+                      <a:endParaRPr lang="en-US" altLang="ko-KR" sz="1200" b="1" kern="1200" baseline="0" dirty="0">
+                        <a:solidFill>
+                          <a:schemeClr val="tx1"/>
+                        </a:solidFill>
+                        <a:latin typeface="+mn-lt"/>
+                        <a:ea typeface="+mn-ea"/>
+                        <a:cs typeface="+mn-cs"/>
+                        <a:sym typeface="Wingdings" panose="05000000000000000000" pitchFamily="2" charset="2"/>
+                      </a:endParaRPr>
+                    </a:p>
+                  </a:txBody>
+                  <a:tcPr>
+                    <a:lnL w="28575" cap="flat" cmpd="sng" algn="ctr">
+                      <a:solidFill>
+                        <a:schemeClr val="tx1"/>
+                      </a:solidFill>
+                      <a:prstDash val="solid"/>
+                      <a:round/>
+                      <a:headEnd type="none" w="med" len="med"/>
+                      <a:tailEnd type="none" w="med" len="med"/>
+                    </a:lnL>
+                    <a:lnR w="28575" cap="flat" cmpd="sng" algn="ctr">
+                      <a:solidFill>
+                        <a:schemeClr val="tx1"/>
+                      </a:solidFill>
+                      <a:prstDash val="solid"/>
+                      <a:round/>
+                      <a:headEnd type="none" w="med" len="med"/>
+                      <a:tailEnd type="none" w="med" len="med"/>
+                    </a:lnR>
+                    <a:lnT w="28575" cap="flat" cmpd="sng" algn="ctr">
+                      <a:solidFill>
+                        <a:schemeClr val="tx1"/>
+                      </a:solidFill>
+                      <a:prstDash val="solid"/>
+                      <a:round/>
+                      <a:headEnd type="none" w="med" len="med"/>
+                      <a:tailEnd type="none" w="med" len="med"/>
+                    </a:lnT>
+                    <a:lnB w="28575" cap="flat" cmpd="sng" algn="ctr">
+                      <a:solidFill>
+                        <a:schemeClr val="tx1"/>
+                      </a:solidFill>
+                      <a:prstDash val="solid"/>
+                      <a:round/>
+                      <a:headEnd type="none" w="med" len="med"/>
+                      <a:tailEnd type="none" w="med" len="med"/>
+                    </a:lnB>
+                    <a:lnTlToBr w="12700" cmpd="sng">
+                      <a:noFill/>
+                      <a:prstDash val="solid"/>
+                    </a:lnTlToBr>
+                    <a:lnBlToTr w="12700" cmpd="sng">
+                      <a:noFill/>
+                      <a:prstDash val="solid"/>
+                    </a:lnBlToTr>
+                    <a:noFill/>
+                  </a:tcPr>
+                </a:tc>
+                <a:extLst>
+                  <a:ext uri="{0D108BD9-81ED-4DB2-BD59-A6C34878D82A}">
+                    <a16:rowId xmlns:a16="http://schemas.microsoft.com/office/drawing/2014/main" val="4126198778"/>
+                  </a:ext>
+                </a:extLst>
+              </a:tr>
+            </a:tbl>
+          </a:graphicData>
+        </a:graphic>
+      </p:graphicFrame>
+      <p:pic>
+        <p:nvPicPr>
+          <p:cNvPr id="5" name="그림 4">
+            <a:extLst>
+              <a:ext uri="{FF2B5EF4-FFF2-40B4-BE49-F238E27FC236}">
+                <a16:creationId xmlns:a16="http://schemas.microsoft.com/office/drawing/2014/main" id="{2B5B65A4-5BD6-F9A6-EE3B-A27AC8E1EBA1}"/>
+              </a:ext>
+            </a:extLst>
+          </p:cNvPr>
+          <p:cNvPicPr>
+            <a:picLocks noChangeAspect="1"/>
+          </p:cNvPicPr>
+          <p:nvPr/>
+        </p:nvPicPr>
+        <p:blipFill>
+          <a:blip r:embed="rId3">
+            <a:clrChange>
+              <a:clrFrom>
+                <a:srgbClr val="FFFFFF"/>
+              </a:clrFrom>
+              <a:clrTo>
+                <a:srgbClr val="FFFFFF">
+                  <a:alpha val="0"/>
+                </a:srgbClr>
+              </a:clrTo>
+            </a:clrChange>
+          </a:blip>
+          <a:stretch>
+            <a:fillRect/>
+          </a:stretch>
+        </p:blipFill>
+        <p:spPr>
+          <a:xfrm>
+            <a:off x="6477801" y="906621"/>
+            <a:ext cx="4485373" cy="1941326"/>
+          </a:xfrm>
+          <a:prstGeom prst="rect">
+            <a:avLst/>
+          </a:prstGeom>
+        </p:spPr>
+      </p:pic>
+      <p:pic>
+        <p:nvPicPr>
+          <p:cNvPr id="8" name="그림 7">
+            <a:extLst>
+              <a:ext uri="{FF2B5EF4-FFF2-40B4-BE49-F238E27FC236}">
+                <a16:creationId xmlns:a16="http://schemas.microsoft.com/office/drawing/2014/main" id="{E60BBC9C-47A6-9E02-70CF-4AAB3F3D1487}"/>
+              </a:ext>
+            </a:extLst>
+          </p:cNvPr>
+          <p:cNvPicPr>
+            <a:picLocks noChangeAspect="1"/>
+          </p:cNvPicPr>
+          <p:nvPr/>
+        </p:nvPicPr>
+        <p:blipFill>
+          <a:blip r:embed="rId4">
+            <a:clrChange>
+              <a:clrFrom>
+                <a:srgbClr val="FFFFFF"/>
+              </a:clrFrom>
+              <a:clrTo>
+                <a:srgbClr val="FFFFFF">
+                  <a:alpha val="0"/>
+                </a:srgbClr>
+              </a:clrTo>
+            </a:clrChange>
+            <a:extLst>
+              <a:ext uri="{BEBA8EAE-BF5A-486C-A8C5-ECC9F3942E4B}">
+                <a14:imgProps xmlns:a14="http://schemas.microsoft.com/office/drawing/2010/main">
+                  <a14:imgLayer r:embed="rId5">
+                    <a14:imgEffect>
+                      <a14:sharpenSoften amount="67000"/>
+                    </a14:imgEffect>
+                    <a14:imgEffect>
+                      <a14:brightnessContrast bright="4000"/>
+                    </a14:imgEffect>
+                  </a14:imgLayer>
+                </a14:imgProps>
+              </a:ext>
+            </a:extLst>
+          </a:blip>
+          <a:stretch>
+            <a:fillRect/>
+          </a:stretch>
+        </p:blipFill>
+        <p:spPr>
+          <a:xfrm>
+            <a:off x="845386" y="3001018"/>
+            <a:ext cx="4348914" cy="2664839"/>
+          </a:xfrm>
+          <a:prstGeom prst="rect">
+            <a:avLst/>
+          </a:prstGeom>
+        </p:spPr>
+      </p:pic>
+      <p:pic>
+        <p:nvPicPr>
+          <p:cNvPr id="19" name="그림 18">
+            <a:extLst>
+              <a:ext uri="{FF2B5EF4-FFF2-40B4-BE49-F238E27FC236}">
+                <a16:creationId xmlns:a16="http://schemas.microsoft.com/office/drawing/2014/main" id="{4DAA95D9-0C3E-4DD5-D405-9268E5F8F02B}"/>
+              </a:ext>
+            </a:extLst>
+          </p:cNvPr>
+          <p:cNvPicPr>
+            <a:picLocks noChangeAspect="1"/>
+          </p:cNvPicPr>
+          <p:nvPr/>
+        </p:nvPicPr>
+        <p:blipFill>
+          <a:blip r:embed="rId6"/>
+          <a:stretch>
+            <a:fillRect/>
+          </a:stretch>
+        </p:blipFill>
+        <p:spPr>
+          <a:xfrm>
+            <a:off x="5566610" y="3001018"/>
+            <a:ext cx="4238025" cy="2717604"/>
+          </a:xfrm>
+          <a:prstGeom prst="rect">
+            <a:avLst/>
+          </a:prstGeom>
+        </p:spPr>
+      </p:pic>
+    </p:spTree>
+    <p:extLst>
+      <p:ext uri="{BB962C8B-B14F-4D97-AF65-F5344CB8AC3E}">
+        <p14:creationId xmlns:p14="http://schemas.microsoft.com/office/powerpoint/2010/main" val="413813996"/>
+      </p:ext>
+    </p:extLst>
+  </p:cSld>
+  <p:clrMapOvr>
+    <a:masterClrMapping/>
+  </p:clrMapOvr>
+</p:sld>
+</file>
+
+<file path=ppt/slides/slide5.xml><?xml version="1.0" encoding="utf-8"?>
 <p:sld xmlns:a="http://schemas.openxmlformats.org/drawingml/2006/main" xmlns:r="http://schemas.openxmlformats.org/officeDocument/2006/relationships" xmlns:p="http://schemas.openxmlformats.org/presentationml/2006/main">
   <p:cSld>
     <p:spTree>
@@ -3328,7 +4778,13 @@
           <p:cNvGraphicFramePr>
             <a:graphicFrameLocks noGrp="1"/>
           </p:cNvGraphicFramePr>
-          <p:nvPr/>
+          <p:nvPr>
+            <p:extLst>
+              <p:ext uri="{D42A27DB-BD31-4B8C-83A1-F6EECF244321}">
+                <p14:modId xmlns:p14="http://schemas.microsoft.com/office/powerpoint/2010/main" val="3616666650"/>
+              </p:ext>
+            </p:extLst>
+          </p:nvPr>
         </p:nvGraphicFramePr>
         <p:xfrm>
           <a:off x="12413895" y="1714803"/>
@@ -9171,6 +10627,69 @@
           </p:spPr>
         </p:pic>
       </p:grpSp>
+      <p:sp>
+        <p:nvSpPr>
+          <p:cNvPr id="44" name="직사각형 43">
+            <a:extLst>
+              <a:ext uri="{FF2B5EF4-FFF2-40B4-BE49-F238E27FC236}">
+                <a16:creationId xmlns:a16="http://schemas.microsoft.com/office/drawing/2014/main" id="{12D3D154-16CF-8B4C-2DED-8BD4F34BE470}"/>
+              </a:ext>
+            </a:extLst>
+          </p:cNvPr>
+          <p:cNvSpPr/>
+          <p:nvPr/>
+        </p:nvSpPr>
+        <p:spPr>
+          <a:xfrm rot="2700000">
+            <a:off x="8252620" y="1096576"/>
+            <a:ext cx="4794462" cy="1274112"/>
+          </a:xfrm>
+          <a:prstGeom prst="rect">
+            <a:avLst/>
+          </a:prstGeom>
+          <a:solidFill>
+            <a:srgbClr val="FF0000"/>
+          </a:solidFill>
+          <a:ln>
+            <a:noFill/>
+          </a:ln>
+        </p:spPr>
+        <p:style>
+          <a:lnRef idx="2">
+            <a:schemeClr val="accent1">
+              <a:shade val="15000"/>
+            </a:schemeClr>
+          </a:lnRef>
+          <a:fillRef idx="1">
+            <a:schemeClr val="accent1"/>
+          </a:fillRef>
+          <a:effectRef idx="0">
+            <a:schemeClr val="accent1"/>
+          </a:effectRef>
+          <a:fontRef idx="minor">
+            <a:schemeClr val="lt1"/>
+          </a:fontRef>
+        </p:style>
+        <p:txBody>
+          <a:bodyPr rtlCol="0" anchor="ctr"/>
+          <a:lstStyle/>
+          <a:p>
+            <a:pPr algn="ctr"/>
+            <a:r>
+              <a:rPr lang="ko-KR" altLang="en-US" sz="4400" b="1" dirty="0">
+                <a:effectLst>
+                  <a:outerShdw blurRad="38100" dist="38100" dir="2700000" algn="tl">
+                    <a:srgbClr val="000000">
+                      <a:alpha val="43137"/>
+                    </a:srgbClr>
+                  </a:outerShdw>
+                </a:effectLst>
+              </a:rPr>
+              <a:t>내용 작성 중</a:t>
+            </a:r>
+          </a:p>
+        </p:txBody>
+      </p:sp>
     </p:spTree>
     <p:extLst>
       <p:ext uri="{BB962C8B-B14F-4D97-AF65-F5344CB8AC3E}">
@@ -9184,7 +10703,7 @@
 </p:sld>
 </file>
 
-<file path=ppt/slides/slide4.xml><?xml version="1.0" encoding="utf-8"?>
+<file path=ppt/slides/slide6.xml><?xml version="1.0" encoding="utf-8"?>
 <p:sld xmlns:a="http://schemas.openxmlformats.org/drawingml/2006/main" xmlns:r="http://schemas.openxmlformats.org/officeDocument/2006/relationships" xmlns:p="http://schemas.openxmlformats.org/presentationml/2006/main">
   <p:cSld>
     <p:spTree>
@@ -10016,7 +11535,7 @@
 </p:sld>
 </file>
 
-<file path=ppt/slides/slide5.xml><?xml version="1.0" encoding="utf-8"?>
+<file path=ppt/slides/slide7.xml><?xml version="1.0" encoding="utf-8"?>
 <p:sld xmlns:a="http://schemas.openxmlformats.org/drawingml/2006/main" xmlns:r="http://schemas.openxmlformats.org/officeDocument/2006/relationships" xmlns:p="http://schemas.openxmlformats.org/presentationml/2006/main">
   <p:cSld>
     <p:spTree>
@@ -10528,7 +12047,7 @@
 </p:sld>
 </file>
 
-<file path=ppt/slides/slide6.xml><?xml version="1.0" encoding="utf-8"?>
+<file path=ppt/slides/slide8.xml><?xml version="1.0" encoding="utf-8"?>
 <p:sld xmlns:a="http://schemas.openxmlformats.org/drawingml/2006/main" xmlns:r="http://schemas.openxmlformats.org/officeDocument/2006/relationships" xmlns:p="http://schemas.openxmlformats.org/presentationml/2006/main">
   <p:cSld>
     <p:spTree>
